--- a/Clinix.pptx
+++ b/Clinix.pptx
@@ -6,6 +6,13 @@
   </p:sldMasterIdLst>
   <p:sldIdLst>
     <p:sldId id="256" r:id="rId2"/>
+    <p:sldId id="257" r:id="rId3"/>
+    <p:sldId id="258" r:id="rId4"/>
+    <p:sldId id="259" r:id="rId5"/>
+    <p:sldId id="260" r:id="rId6"/>
+    <p:sldId id="261" r:id="rId7"/>
+    <p:sldId id="262" r:id="rId8"/>
+    <p:sldId id="263" r:id="rId9"/>
   </p:sldIdLst>
   <p:sldSz cx="12192000" cy="6858000"/>
   <p:notesSz cx="6858000" cy="9144000"/>
@@ -6169,7 +6176,7 @@
         </p:nvSpPr>
         <p:spPr>
           <a:xfrm>
-            <a:off x="955964" y="2327564"/>
+            <a:off x="1154955" y="3311237"/>
             <a:ext cx="9601200" cy="2308324"/>
           </a:xfrm>
           <a:prstGeom prst="rect">
@@ -6254,15 +6261,7 @@
             </a:r>
             <a:r>
               <a:rPr lang="en-US" dirty="0" smtClean="0"/>
-              <a:t>			 	 </a:t>
-            </a:r>
-            <a:r>
-              <a:rPr lang="en-US" smtClean="0"/>
-              <a:t>	 799309 </a:t>
-            </a:r>
-            <a:r>
-              <a:rPr lang="en-US" dirty="0" smtClean="0"/>
-              <a:t>-  MITALI MARKANDE</a:t>
+              <a:t>			 	 	 799309 -  MITALI MARKANDE</a:t>
             </a:r>
             <a:endParaRPr lang="en-US" dirty="0"/>
           </a:p>
@@ -6272,6 +6271,675 @@
     <p:extLst>
       <p:ext uri="{BB962C8B-B14F-4D97-AF65-F5344CB8AC3E}">
         <p14:creationId xmlns:p14="http://schemas.microsoft.com/office/powerpoint/2010/main" val="555481523"/>
+      </p:ext>
+    </p:extLst>
+  </p:cSld>
+  <p:clrMapOvr>
+    <a:masterClrMapping/>
+  </p:clrMapOvr>
+  <p:timing>
+    <p:tnLst>
+      <p:par>
+        <p:cTn id="1" dur="indefinite" restart="never" nodeType="tmRoot"/>
+      </p:par>
+    </p:tnLst>
+  </p:timing>
+</p:sld>
+</file>
+
+<file path=ppt/slides/slide2.xml><?xml version="1.0" encoding="utf-8"?>
+<p:sld xmlns:a="http://schemas.openxmlformats.org/drawingml/2006/main" xmlns:r="http://schemas.openxmlformats.org/officeDocument/2006/relationships" xmlns:p="http://schemas.openxmlformats.org/presentationml/2006/main">
+  <p:cSld>
+    <p:spTree>
+      <p:nvGrpSpPr>
+        <p:cNvPr id="1" name=""/>
+        <p:cNvGrpSpPr/>
+        <p:nvPr/>
+      </p:nvGrpSpPr>
+      <p:grpSpPr>
+        <a:xfrm>
+          <a:off x="0" y="0"/>
+          <a:ext cx="0" cy="0"/>
+          <a:chOff x="0" y="0"/>
+          <a:chExt cx="0" cy="0"/>
+        </a:xfrm>
+      </p:grpSpPr>
+      <p:sp>
+        <p:nvSpPr>
+          <p:cNvPr id="2" name="Title 1"/>
+          <p:cNvSpPr>
+            <a:spLocks noGrp="1"/>
+          </p:cNvSpPr>
+          <p:nvPr>
+            <p:ph type="title"/>
+          </p:nvPr>
+        </p:nvSpPr>
+        <p:spPr>
+          <a:xfrm>
+            <a:off x="646109" y="549700"/>
+            <a:ext cx="9404723" cy="1400530"/>
+          </a:xfrm>
+        </p:spPr>
+        <p:txBody>
+          <a:bodyPr/>
+          <a:lstStyle/>
+          <a:p>
+            <a:r>
+              <a:rPr lang="en-US" dirty="0" smtClean="0"/>
+              <a:t>OBJECTIVES:</a:t>
+            </a:r>
+            <a:endParaRPr lang="en-US" dirty="0"/>
+          </a:p>
+        </p:txBody>
+      </p:sp>
+      <p:sp>
+        <p:nvSpPr>
+          <p:cNvPr id="3" name="Content Placeholder 2"/>
+          <p:cNvSpPr>
+            <a:spLocks noGrp="1"/>
+          </p:cNvSpPr>
+          <p:nvPr>
+            <p:ph idx="1"/>
+          </p:nvPr>
+        </p:nvSpPr>
+        <p:spPr>
+          <a:xfrm>
+            <a:off x="875201" y="2274591"/>
+            <a:ext cx="8946541" cy="4195481"/>
+          </a:xfrm>
+        </p:spPr>
+        <p:txBody>
+          <a:bodyPr/>
+          <a:lstStyle/>
+          <a:p>
+            <a:r>
+              <a:rPr lang="en-US" dirty="0" smtClean="0"/>
+              <a:t>SIMPLICITY IN BOOKING DOCTOR’S APPOINTMENT FOR PATIENT.</a:t>
+            </a:r>
+          </a:p>
+          <a:p>
+            <a:r>
+              <a:rPr lang="en-US" dirty="0" smtClean="0"/>
+              <a:t>DIGITIZATION OF MEDICARE SERVICES.</a:t>
+            </a:r>
+          </a:p>
+          <a:p>
+            <a:r>
+              <a:rPr lang="en-US" dirty="0" smtClean="0"/>
+              <a:t>QUICK ACCESS FOR YOUR MEDICAL TESTS.</a:t>
+            </a:r>
+          </a:p>
+          <a:p>
+            <a:r>
+              <a:rPr lang="en-US" dirty="0" smtClean="0"/>
+              <a:t>HAVE PREMIUM SERVICES IN YOUR EMERGENCY.</a:t>
+            </a:r>
+          </a:p>
+        </p:txBody>
+      </p:sp>
+    </p:spTree>
+    <p:extLst>
+      <p:ext uri="{BB962C8B-B14F-4D97-AF65-F5344CB8AC3E}">
+        <p14:creationId xmlns:p14="http://schemas.microsoft.com/office/powerpoint/2010/main" val="3047842057"/>
+      </p:ext>
+    </p:extLst>
+  </p:cSld>
+  <p:clrMapOvr>
+    <a:masterClrMapping/>
+  </p:clrMapOvr>
+  <p:timing>
+    <p:tnLst>
+      <p:par>
+        <p:cTn id="1" dur="indefinite" restart="never" nodeType="tmRoot"/>
+      </p:par>
+    </p:tnLst>
+  </p:timing>
+</p:sld>
+</file>
+
+<file path=ppt/slides/slide3.xml><?xml version="1.0" encoding="utf-8"?>
+<p:sld xmlns:a="http://schemas.openxmlformats.org/drawingml/2006/main" xmlns:r="http://schemas.openxmlformats.org/officeDocument/2006/relationships" xmlns:p="http://schemas.openxmlformats.org/presentationml/2006/main">
+  <p:cSld>
+    <p:spTree>
+      <p:nvGrpSpPr>
+        <p:cNvPr id="1" name=""/>
+        <p:cNvGrpSpPr/>
+        <p:nvPr/>
+      </p:nvGrpSpPr>
+      <p:grpSpPr>
+        <a:xfrm>
+          <a:off x="0" y="0"/>
+          <a:ext cx="0" cy="0"/>
+          <a:chOff x="0" y="0"/>
+          <a:chExt cx="0" cy="0"/>
+        </a:xfrm>
+      </p:grpSpPr>
+      <p:sp>
+        <p:nvSpPr>
+          <p:cNvPr id="2" name="Title 1"/>
+          <p:cNvSpPr>
+            <a:spLocks noGrp="1"/>
+          </p:cNvSpPr>
+          <p:nvPr>
+            <p:ph type="title"/>
+          </p:nvPr>
+        </p:nvSpPr>
+        <p:spPr/>
+        <p:txBody>
+          <a:bodyPr/>
+          <a:lstStyle/>
+          <a:p>
+            <a:r>
+              <a:rPr lang="en-US" dirty="0" smtClean="0"/>
+              <a:t>ENTITIES:</a:t>
+            </a:r>
+            <a:endParaRPr lang="en-US" dirty="0"/>
+          </a:p>
+        </p:txBody>
+      </p:sp>
+      <p:sp>
+        <p:nvSpPr>
+          <p:cNvPr id="3" name="Content Placeholder 2"/>
+          <p:cNvSpPr>
+            <a:spLocks noGrp="1"/>
+          </p:cNvSpPr>
+          <p:nvPr>
+            <p:ph idx="1"/>
+          </p:nvPr>
+        </p:nvSpPr>
+        <p:spPr>
+          <a:xfrm>
+            <a:off x="1104293" y="2144193"/>
+            <a:ext cx="8946541" cy="4195481"/>
+          </a:xfrm>
+        </p:spPr>
+        <p:txBody>
+          <a:bodyPr/>
+          <a:lstStyle/>
+          <a:p>
+            <a:r>
+              <a:rPr lang="en-US" dirty="0" smtClean="0"/>
+              <a:t>ADMIN</a:t>
+            </a:r>
+          </a:p>
+          <a:p>
+            <a:r>
+              <a:rPr lang="en-US" dirty="0"/>
+              <a:t>AGENT</a:t>
+            </a:r>
+          </a:p>
+          <a:p>
+            <a:r>
+              <a:rPr lang="en-US" dirty="0" smtClean="0"/>
+              <a:t>DOCTOR</a:t>
+            </a:r>
+          </a:p>
+          <a:p>
+            <a:r>
+              <a:rPr lang="en-US" dirty="0"/>
+              <a:t>PATIENT</a:t>
+            </a:r>
+          </a:p>
+          <a:p>
+            <a:pPr marL="0" indent="0">
+              <a:buNone/>
+            </a:pPr>
+            <a:r>
+              <a:rPr lang="en-US" dirty="0" smtClean="0"/>
+              <a:t> </a:t>
+            </a:r>
+            <a:endParaRPr lang="en-US" dirty="0"/>
+          </a:p>
+          <a:p>
+            <a:pPr marL="0" indent="0">
+              <a:buNone/>
+            </a:pPr>
+            <a:endParaRPr lang="en-US" dirty="0" smtClean="0"/>
+          </a:p>
+          <a:p>
+            <a:endParaRPr lang="en-US" dirty="0" smtClean="0"/>
+          </a:p>
+        </p:txBody>
+      </p:sp>
+    </p:spTree>
+    <p:extLst>
+      <p:ext uri="{BB962C8B-B14F-4D97-AF65-F5344CB8AC3E}">
+        <p14:creationId xmlns:p14="http://schemas.microsoft.com/office/powerpoint/2010/main" val="3458808868"/>
+      </p:ext>
+    </p:extLst>
+  </p:cSld>
+  <p:clrMapOvr>
+    <a:masterClrMapping/>
+  </p:clrMapOvr>
+  <p:timing>
+    <p:tnLst>
+      <p:par>
+        <p:cTn id="1" dur="indefinite" restart="never" nodeType="tmRoot"/>
+      </p:par>
+    </p:tnLst>
+  </p:timing>
+</p:sld>
+</file>
+
+<file path=ppt/slides/slide4.xml><?xml version="1.0" encoding="utf-8"?>
+<p:sld xmlns:a="http://schemas.openxmlformats.org/drawingml/2006/main" xmlns:r="http://schemas.openxmlformats.org/officeDocument/2006/relationships" xmlns:p="http://schemas.openxmlformats.org/presentationml/2006/main">
+  <p:cSld>
+    <p:spTree>
+      <p:nvGrpSpPr>
+        <p:cNvPr id="1" name=""/>
+        <p:cNvGrpSpPr/>
+        <p:nvPr/>
+      </p:nvGrpSpPr>
+      <p:grpSpPr>
+        <a:xfrm>
+          <a:off x="0" y="0"/>
+          <a:ext cx="0" cy="0"/>
+          <a:chOff x="0" y="0"/>
+          <a:chExt cx="0" cy="0"/>
+        </a:xfrm>
+      </p:grpSpPr>
+      <p:sp>
+        <p:nvSpPr>
+          <p:cNvPr id="2" name="Title 1"/>
+          <p:cNvSpPr>
+            <a:spLocks noGrp="1"/>
+          </p:cNvSpPr>
+          <p:nvPr>
+            <p:ph type="title"/>
+          </p:nvPr>
+        </p:nvSpPr>
+        <p:spPr/>
+        <p:txBody>
+          <a:bodyPr/>
+          <a:lstStyle/>
+          <a:p>
+            <a:r>
+              <a:rPr lang="en-US" dirty="0" smtClean="0"/>
+              <a:t>ADMIN FUNCTIONALITIES:</a:t>
+            </a:r>
+            <a:endParaRPr lang="en-US" dirty="0"/>
+          </a:p>
+        </p:txBody>
+      </p:sp>
+      <p:pic>
+        <p:nvPicPr>
+          <p:cNvPr id="4" name="Content Placeholder 3"/>
+          <p:cNvPicPr>
+            <a:picLocks noGrp="1" noChangeAspect="1"/>
+          </p:cNvPicPr>
+          <p:nvPr>
+            <p:ph idx="1"/>
+          </p:nvPr>
+        </p:nvPicPr>
+        <p:blipFill>
+          <a:blip r:embed="rId2">
+            <a:extLst>
+              <a:ext uri="{28A0092B-C50C-407E-A947-70E740481C1C}">
+                <a14:useLocalDpi xmlns:a14="http://schemas.microsoft.com/office/drawing/2010/main" val="0"/>
+              </a:ext>
+            </a:extLst>
+          </a:blip>
+          <a:stretch>
+            <a:fillRect/>
+          </a:stretch>
+        </p:blipFill>
+        <p:spPr>
+          <a:xfrm>
+            <a:off x="1103313" y="2182146"/>
+            <a:ext cx="8947150" cy="3936745"/>
+          </a:xfrm>
+        </p:spPr>
+      </p:pic>
+    </p:spTree>
+    <p:extLst>
+      <p:ext uri="{BB962C8B-B14F-4D97-AF65-F5344CB8AC3E}">
+        <p14:creationId xmlns:p14="http://schemas.microsoft.com/office/powerpoint/2010/main" val="1915410962"/>
+      </p:ext>
+    </p:extLst>
+  </p:cSld>
+  <p:clrMapOvr>
+    <a:masterClrMapping/>
+  </p:clrMapOvr>
+  <p:timing>
+    <p:tnLst>
+      <p:par>
+        <p:cTn id="1" dur="indefinite" restart="never" nodeType="tmRoot"/>
+      </p:par>
+    </p:tnLst>
+  </p:timing>
+</p:sld>
+</file>
+
+<file path=ppt/slides/slide5.xml><?xml version="1.0" encoding="utf-8"?>
+<p:sld xmlns:a="http://schemas.openxmlformats.org/drawingml/2006/main" xmlns:r="http://schemas.openxmlformats.org/officeDocument/2006/relationships" xmlns:p="http://schemas.openxmlformats.org/presentationml/2006/main">
+  <p:cSld>
+    <p:spTree>
+      <p:nvGrpSpPr>
+        <p:cNvPr id="1" name=""/>
+        <p:cNvGrpSpPr/>
+        <p:nvPr/>
+      </p:nvGrpSpPr>
+      <p:grpSpPr>
+        <a:xfrm>
+          <a:off x="0" y="0"/>
+          <a:ext cx="0" cy="0"/>
+          <a:chOff x="0" y="0"/>
+          <a:chExt cx="0" cy="0"/>
+        </a:xfrm>
+      </p:grpSpPr>
+      <p:sp>
+        <p:nvSpPr>
+          <p:cNvPr id="2" name="Title 1"/>
+          <p:cNvSpPr>
+            <a:spLocks noGrp="1"/>
+          </p:cNvSpPr>
+          <p:nvPr>
+            <p:ph type="title"/>
+          </p:nvPr>
+        </p:nvSpPr>
+        <p:spPr/>
+        <p:txBody>
+          <a:bodyPr/>
+          <a:lstStyle/>
+          <a:p>
+            <a:r>
+              <a:rPr lang="en-US" dirty="0" smtClean="0"/>
+              <a:t>DOCTOR </a:t>
+            </a:r>
+            <a:r>
+              <a:rPr lang="en-US" dirty="0"/>
+              <a:t>FUNCTIONALITIES </a:t>
+            </a:r>
+            <a:r>
+              <a:rPr lang="en-US" dirty="0" smtClean="0"/>
+              <a:t>:</a:t>
+            </a:r>
+            <a:endParaRPr lang="en-US" dirty="0"/>
+          </a:p>
+        </p:txBody>
+      </p:sp>
+      <p:pic>
+        <p:nvPicPr>
+          <p:cNvPr id="4" name="Content Placeholder 3"/>
+          <p:cNvPicPr>
+            <a:picLocks noGrp="1" noChangeAspect="1"/>
+          </p:cNvPicPr>
+          <p:nvPr>
+            <p:ph idx="1"/>
+          </p:nvPr>
+        </p:nvPicPr>
+        <p:blipFill>
+          <a:blip r:embed="rId2">
+            <a:extLst>
+              <a:ext uri="{28A0092B-C50C-407E-A947-70E740481C1C}">
+                <a14:useLocalDpi xmlns:a14="http://schemas.microsoft.com/office/drawing/2010/main" val="0"/>
+              </a:ext>
+            </a:extLst>
+          </a:blip>
+          <a:stretch>
+            <a:fillRect/>
+          </a:stretch>
+        </p:blipFill>
+        <p:spPr>
+          <a:xfrm>
+            <a:off x="1103313" y="2188997"/>
+            <a:ext cx="8947150" cy="3923043"/>
+          </a:xfrm>
+        </p:spPr>
+      </p:pic>
+    </p:spTree>
+    <p:extLst>
+      <p:ext uri="{BB962C8B-B14F-4D97-AF65-F5344CB8AC3E}">
+        <p14:creationId xmlns:p14="http://schemas.microsoft.com/office/powerpoint/2010/main" val="3861028158"/>
+      </p:ext>
+    </p:extLst>
+  </p:cSld>
+  <p:clrMapOvr>
+    <a:masterClrMapping/>
+  </p:clrMapOvr>
+  <p:timing>
+    <p:tnLst>
+      <p:par>
+        <p:cTn id="1" dur="indefinite" restart="never" nodeType="tmRoot"/>
+      </p:par>
+    </p:tnLst>
+  </p:timing>
+</p:sld>
+</file>
+
+<file path=ppt/slides/slide6.xml><?xml version="1.0" encoding="utf-8"?>
+<p:sld xmlns:a="http://schemas.openxmlformats.org/drawingml/2006/main" xmlns:r="http://schemas.openxmlformats.org/officeDocument/2006/relationships" xmlns:p="http://schemas.openxmlformats.org/presentationml/2006/main">
+  <p:cSld>
+    <p:spTree>
+      <p:nvGrpSpPr>
+        <p:cNvPr id="1" name=""/>
+        <p:cNvGrpSpPr/>
+        <p:nvPr/>
+      </p:nvGrpSpPr>
+      <p:grpSpPr>
+        <a:xfrm>
+          <a:off x="0" y="0"/>
+          <a:ext cx="0" cy="0"/>
+          <a:chOff x="0" y="0"/>
+          <a:chExt cx="0" cy="0"/>
+        </a:xfrm>
+      </p:grpSpPr>
+      <p:sp>
+        <p:nvSpPr>
+          <p:cNvPr id="2" name="Title 1"/>
+          <p:cNvSpPr>
+            <a:spLocks noGrp="1"/>
+          </p:cNvSpPr>
+          <p:nvPr>
+            <p:ph type="title"/>
+          </p:nvPr>
+        </p:nvSpPr>
+        <p:spPr/>
+        <p:txBody>
+          <a:bodyPr/>
+          <a:lstStyle/>
+          <a:p>
+            <a:r>
+              <a:rPr lang="en-US" dirty="0" smtClean="0"/>
+              <a:t>PATIENT </a:t>
+            </a:r>
+            <a:r>
+              <a:rPr lang="en-US" dirty="0"/>
+              <a:t>FUNCTIONALITIES </a:t>
+            </a:r>
+            <a:r>
+              <a:rPr lang="en-US" dirty="0" smtClean="0"/>
+              <a:t>:</a:t>
+            </a:r>
+            <a:endParaRPr lang="en-US" dirty="0"/>
+          </a:p>
+        </p:txBody>
+      </p:sp>
+      <p:sp>
+        <p:nvSpPr>
+          <p:cNvPr id="3" name="Content Placeholder 2"/>
+          <p:cNvSpPr>
+            <a:spLocks noGrp="1"/>
+          </p:cNvSpPr>
+          <p:nvPr>
+            <p:ph idx="1"/>
+          </p:nvPr>
+        </p:nvSpPr>
+        <p:spPr/>
+        <p:txBody>
+          <a:bodyPr/>
+          <a:lstStyle/>
+          <a:p>
+            <a:endParaRPr lang="en-US"/>
+          </a:p>
+        </p:txBody>
+      </p:sp>
+    </p:spTree>
+    <p:extLst>
+      <p:ext uri="{BB962C8B-B14F-4D97-AF65-F5344CB8AC3E}">
+        <p14:creationId xmlns:p14="http://schemas.microsoft.com/office/powerpoint/2010/main" val="3350364231"/>
+      </p:ext>
+    </p:extLst>
+  </p:cSld>
+  <p:clrMapOvr>
+    <a:masterClrMapping/>
+  </p:clrMapOvr>
+  <p:timing>
+    <p:tnLst>
+      <p:par>
+        <p:cTn id="1" dur="indefinite" restart="never" nodeType="tmRoot"/>
+      </p:par>
+    </p:tnLst>
+  </p:timing>
+</p:sld>
+</file>
+
+<file path=ppt/slides/slide7.xml><?xml version="1.0" encoding="utf-8"?>
+<p:sld xmlns:a="http://schemas.openxmlformats.org/drawingml/2006/main" xmlns:r="http://schemas.openxmlformats.org/officeDocument/2006/relationships" xmlns:p="http://schemas.openxmlformats.org/presentationml/2006/main">
+  <p:cSld>
+    <p:spTree>
+      <p:nvGrpSpPr>
+        <p:cNvPr id="1" name=""/>
+        <p:cNvGrpSpPr/>
+        <p:nvPr/>
+      </p:nvGrpSpPr>
+      <p:grpSpPr>
+        <a:xfrm>
+          <a:off x="0" y="0"/>
+          <a:ext cx="0" cy="0"/>
+          <a:chOff x="0" y="0"/>
+          <a:chExt cx="0" cy="0"/>
+        </a:xfrm>
+      </p:grpSpPr>
+      <p:sp>
+        <p:nvSpPr>
+          <p:cNvPr id="2" name="Title 1"/>
+          <p:cNvSpPr>
+            <a:spLocks noGrp="1"/>
+          </p:cNvSpPr>
+          <p:nvPr>
+            <p:ph type="title"/>
+          </p:nvPr>
+        </p:nvSpPr>
+        <p:spPr/>
+        <p:txBody>
+          <a:bodyPr/>
+          <a:lstStyle/>
+          <a:p>
+            <a:r>
+              <a:rPr lang="en-US" dirty="0" smtClean="0"/>
+              <a:t>AGENT </a:t>
+            </a:r>
+            <a:r>
+              <a:rPr lang="en-US" dirty="0"/>
+              <a:t>FUNCTIONALITIES </a:t>
+            </a:r>
+            <a:r>
+              <a:rPr lang="en-US" dirty="0" smtClean="0"/>
+              <a:t>:</a:t>
+            </a:r>
+            <a:endParaRPr lang="en-US" dirty="0"/>
+          </a:p>
+        </p:txBody>
+      </p:sp>
+      <p:pic>
+        <p:nvPicPr>
+          <p:cNvPr id="4" name="Content Placeholder 3"/>
+          <p:cNvPicPr>
+            <a:picLocks noGrp="1" noChangeAspect="1"/>
+          </p:cNvPicPr>
+          <p:nvPr>
+            <p:ph idx="1"/>
+          </p:nvPr>
+        </p:nvPicPr>
+        <p:blipFill>
+          <a:blip r:embed="rId2">
+            <a:extLst>
+              <a:ext uri="{28A0092B-C50C-407E-A947-70E740481C1C}">
+                <a14:useLocalDpi xmlns:a14="http://schemas.microsoft.com/office/drawing/2010/main" val="0"/>
+              </a:ext>
+            </a:extLst>
+          </a:blip>
+          <a:stretch>
+            <a:fillRect/>
+          </a:stretch>
+        </p:blipFill>
+        <p:spPr>
+          <a:xfrm>
+            <a:off x="1103313" y="2175808"/>
+            <a:ext cx="8947150" cy="3949422"/>
+          </a:xfrm>
+        </p:spPr>
+      </p:pic>
+    </p:spTree>
+    <p:extLst>
+      <p:ext uri="{BB962C8B-B14F-4D97-AF65-F5344CB8AC3E}">
+        <p14:creationId xmlns:p14="http://schemas.microsoft.com/office/powerpoint/2010/main" val="1533705562"/>
+      </p:ext>
+    </p:extLst>
+  </p:cSld>
+  <p:clrMapOvr>
+    <a:masterClrMapping/>
+  </p:clrMapOvr>
+  <p:timing>
+    <p:tnLst>
+      <p:par>
+        <p:cTn id="1" dur="indefinite" restart="never" nodeType="tmRoot"/>
+      </p:par>
+    </p:tnLst>
+  </p:timing>
+</p:sld>
+</file>
+
+<file path=ppt/slides/slide8.xml><?xml version="1.0" encoding="utf-8"?>
+<p:sld xmlns:a="http://schemas.openxmlformats.org/drawingml/2006/main" xmlns:r="http://schemas.openxmlformats.org/officeDocument/2006/relationships" xmlns:p="http://schemas.openxmlformats.org/presentationml/2006/main">
+  <p:cSld>
+    <p:spTree>
+      <p:nvGrpSpPr>
+        <p:cNvPr id="1" name=""/>
+        <p:cNvGrpSpPr/>
+        <p:nvPr/>
+      </p:nvGrpSpPr>
+      <p:grpSpPr>
+        <a:xfrm>
+          <a:off x="0" y="0"/>
+          <a:ext cx="0" cy="0"/>
+          <a:chOff x="0" y="0"/>
+          <a:chExt cx="0" cy="0"/>
+        </a:xfrm>
+      </p:grpSpPr>
+      <p:sp>
+        <p:nvSpPr>
+          <p:cNvPr id="2" name="Title 1"/>
+          <p:cNvSpPr>
+            <a:spLocks noGrp="1"/>
+          </p:cNvSpPr>
+          <p:nvPr>
+            <p:ph type="ctrTitle"/>
+          </p:nvPr>
+        </p:nvSpPr>
+        <p:spPr>
+          <a:xfrm>
+            <a:off x="3607210" y="408709"/>
+            <a:ext cx="8825658" cy="3329581"/>
+          </a:xfrm>
+        </p:spPr>
+        <p:txBody>
+          <a:bodyPr/>
+          <a:lstStyle/>
+          <a:p>
+            <a:r>
+              <a:rPr lang="en-US" dirty="0" smtClean="0"/>
+              <a:t>THANK YOU!</a:t>
+            </a:r>
+            <a:endParaRPr lang="en-US" dirty="0"/>
+          </a:p>
+        </p:txBody>
+      </p:sp>
+    </p:spTree>
+    <p:extLst>
+      <p:ext uri="{BB962C8B-B14F-4D97-AF65-F5344CB8AC3E}">
+        <p14:creationId xmlns:p14="http://schemas.microsoft.com/office/powerpoint/2010/main" val="3073756947"/>
       </p:ext>
     </p:extLst>
   </p:cSld>
